--- a/Assignment2_AI/Assignment 2 - Biometrics based human identification - ST10273607 & ST10483314.pptx
+++ b/Assignment2_AI/Assignment 2 - Biometrics based human identification - ST10273607 & ST10483314.pptx
@@ -6,6 +6,10 @@
   </p:sldMasterIdLst>
   <p:sldIdLst>
     <p:sldId id="256" r:id="rId2"/>
+    <p:sldId id="258" r:id="rId3"/>
+    <p:sldId id="257" r:id="rId4"/>
+    <p:sldId id="259" r:id="rId5"/>
+    <p:sldId id="260" r:id="rId6"/>
   </p:sldIdLst>
   <p:sldSz cx="12192000" cy="6858000"/>
   <p:notesSz cx="6858000" cy="9144000"/>
@@ -104,6 +108,11 @@
       </a:defRPr>
     </a:lvl9pPr>
   </p:defaultTextStyle>
+  <p:extLst>
+    <p:ext uri="{EFAFB233-063F-42B5-8137-9DF3F51BA10A}">
+      <p15:sldGuideLst xmlns:p15="http://schemas.microsoft.com/office/powerpoint/2012/main"/>
+    </p:ext>
+  </p:extLst>
 </p:presentation>
 </file>
 
@@ -5680,7 +5689,12 @@
             <p:ph type="ctrTitle"/>
           </p:nvPr>
         </p:nvSpPr>
-        <p:spPr/>
+        <p:spPr>
+          <a:xfrm>
+            <a:off x="1751012" y="614358"/>
+            <a:ext cx="8676222" cy="2595560"/>
+          </a:xfrm>
+        </p:spPr>
         <p:txBody>
           <a:bodyPr/>
           <a:lstStyle/>
@@ -5710,7 +5724,7 @@
         </p:nvSpPr>
         <p:spPr>
           <a:xfrm>
-            <a:off x="1751012" y="4331970"/>
+            <a:off x="1751012" y="4303395"/>
             <a:ext cx="8676222" cy="1725930"/>
           </a:xfrm>
         </p:spPr>
@@ -5746,6 +5760,378 @@
     <p:extLst>
       <p:ext uri="{BB962C8B-B14F-4D97-AF65-F5344CB8AC3E}">
         <p14:creationId xmlns:p14="http://schemas.microsoft.com/office/powerpoint/2010/main" val="4198863287"/>
+      </p:ext>
+    </p:extLst>
+  </p:cSld>
+  <p:clrMapOvr>
+    <a:masterClrMapping/>
+  </p:clrMapOvr>
+</p:sld>
+</file>
+
+<file path=ppt/slides/slide2.xml><?xml version="1.0" encoding="utf-8"?>
+<p:sld xmlns:a="http://schemas.openxmlformats.org/drawingml/2006/main" xmlns:r="http://schemas.openxmlformats.org/officeDocument/2006/relationships" xmlns:p="http://schemas.openxmlformats.org/presentationml/2006/main">
+  <p:cSld>
+    <p:spTree>
+      <p:nvGrpSpPr>
+        <p:cNvPr id="1" name=""/>
+        <p:cNvGrpSpPr/>
+        <p:nvPr/>
+      </p:nvGrpSpPr>
+      <p:grpSpPr>
+        <a:xfrm>
+          <a:off x="0" y="0"/>
+          <a:ext cx="0" cy="0"/>
+          <a:chOff x="0" y="0"/>
+          <a:chExt cx="0" cy="0"/>
+        </a:xfrm>
+      </p:grpSpPr>
+      <p:sp>
+        <p:nvSpPr>
+          <p:cNvPr id="2" name="Title 1">
+            <a:extLst>
+              <a:ext uri="{FF2B5EF4-FFF2-40B4-BE49-F238E27FC236}">
+                <a16:creationId xmlns:a16="http://schemas.microsoft.com/office/drawing/2014/main" id="{0F23555D-0F6A-5B47-882E-F212CEB54623}"/>
+              </a:ext>
+            </a:extLst>
+          </p:cNvPr>
+          <p:cNvSpPr>
+            <a:spLocks noGrp="1"/>
+          </p:cNvSpPr>
+          <p:nvPr>
+            <p:ph type="title"/>
+          </p:nvPr>
+        </p:nvSpPr>
+        <p:spPr>
+          <a:xfrm>
+            <a:off x="1141413" y="609600"/>
+            <a:ext cx="9905998" cy="876300"/>
+          </a:xfrm>
+        </p:spPr>
+        <p:txBody>
+          <a:bodyPr/>
+          <a:lstStyle/>
+          <a:p>
+            <a:r>
+              <a:rPr lang="en-US" dirty="0"/>
+              <a:t>Overview</a:t>
+            </a:r>
+          </a:p>
+        </p:txBody>
+      </p:sp>
+      <p:sp>
+        <p:nvSpPr>
+          <p:cNvPr id="3" name="Content Placeholder 2">
+            <a:extLst>
+              <a:ext uri="{FF2B5EF4-FFF2-40B4-BE49-F238E27FC236}">
+                <a16:creationId xmlns:a16="http://schemas.microsoft.com/office/drawing/2014/main" id="{392E1C1A-0386-DD43-8851-45459511535C}"/>
+              </a:ext>
+            </a:extLst>
+          </p:cNvPr>
+          <p:cNvSpPr>
+            <a:spLocks noGrp="1"/>
+          </p:cNvSpPr>
+          <p:nvPr>
+            <p:ph idx="1"/>
+          </p:nvPr>
+        </p:nvSpPr>
+        <p:spPr>
+          <a:xfrm>
+            <a:off x="1121406" y="1728788"/>
+            <a:ext cx="6322381" cy="4300537"/>
+          </a:xfrm>
+        </p:spPr>
+        <p:txBody>
+          <a:bodyPr/>
+          <a:lstStyle/>
+          <a:p>
+            <a:endParaRPr lang="en-US" dirty="0"/>
+          </a:p>
+        </p:txBody>
+      </p:sp>
+    </p:spTree>
+    <p:extLst>
+      <p:ext uri="{BB962C8B-B14F-4D97-AF65-F5344CB8AC3E}">
+        <p14:creationId xmlns:p14="http://schemas.microsoft.com/office/powerpoint/2010/main" val="4112122842"/>
+      </p:ext>
+    </p:extLst>
+  </p:cSld>
+  <p:clrMapOvr>
+    <a:masterClrMapping/>
+  </p:clrMapOvr>
+</p:sld>
+</file>
+
+<file path=ppt/slides/slide3.xml><?xml version="1.0" encoding="utf-8"?>
+<p:sld xmlns:a="http://schemas.openxmlformats.org/drawingml/2006/main" xmlns:r="http://schemas.openxmlformats.org/officeDocument/2006/relationships" xmlns:p="http://schemas.openxmlformats.org/presentationml/2006/main">
+  <p:cSld>
+    <p:spTree>
+      <p:nvGrpSpPr>
+        <p:cNvPr id="1" name=""/>
+        <p:cNvGrpSpPr/>
+        <p:nvPr/>
+      </p:nvGrpSpPr>
+      <p:grpSpPr>
+        <a:xfrm>
+          <a:off x="0" y="0"/>
+          <a:ext cx="0" cy="0"/>
+          <a:chOff x="0" y="0"/>
+          <a:chExt cx="0" cy="0"/>
+        </a:xfrm>
+      </p:grpSpPr>
+      <p:sp>
+        <p:nvSpPr>
+          <p:cNvPr id="2" name="Title 1">
+            <a:extLst>
+              <a:ext uri="{FF2B5EF4-FFF2-40B4-BE49-F238E27FC236}">
+                <a16:creationId xmlns:a16="http://schemas.microsoft.com/office/drawing/2014/main" id="{9DF333FC-06BE-FB45-A711-F7EA64FF9ACA}"/>
+              </a:ext>
+            </a:extLst>
+          </p:cNvPr>
+          <p:cNvSpPr>
+            <a:spLocks noGrp="1"/>
+          </p:cNvSpPr>
+          <p:nvPr>
+            <p:ph type="title"/>
+          </p:nvPr>
+        </p:nvSpPr>
+        <p:spPr>
+          <a:xfrm>
+            <a:off x="1141413" y="609600"/>
+            <a:ext cx="9905998" cy="804863"/>
+          </a:xfrm>
+        </p:spPr>
+        <p:txBody>
+          <a:bodyPr/>
+          <a:lstStyle/>
+          <a:p>
+            <a:r>
+              <a:rPr lang="en-US" dirty="0"/>
+              <a:t>Implementation</a:t>
+            </a:r>
+          </a:p>
+        </p:txBody>
+      </p:sp>
+      <p:sp>
+        <p:nvSpPr>
+          <p:cNvPr id="3" name="Content Placeholder 2">
+            <a:extLst>
+              <a:ext uri="{FF2B5EF4-FFF2-40B4-BE49-F238E27FC236}">
+                <a16:creationId xmlns:a16="http://schemas.microsoft.com/office/drawing/2014/main" id="{5D3E9D9E-217A-4348-B145-404AF5E19046}"/>
+              </a:ext>
+            </a:extLst>
+          </p:cNvPr>
+          <p:cNvSpPr>
+            <a:spLocks noGrp="1"/>
+          </p:cNvSpPr>
+          <p:nvPr>
+            <p:ph idx="1"/>
+          </p:nvPr>
+        </p:nvSpPr>
+        <p:spPr>
+          <a:xfrm>
+            <a:off x="1141413" y="1700213"/>
+            <a:ext cx="6359525" cy="4090987"/>
+          </a:xfrm>
+        </p:spPr>
+        <p:txBody>
+          <a:bodyPr/>
+          <a:lstStyle/>
+          <a:p>
+            <a:endParaRPr lang="en-US" dirty="0"/>
+          </a:p>
+        </p:txBody>
+      </p:sp>
+    </p:spTree>
+    <p:extLst>
+      <p:ext uri="{BB962C8B-B14F-4D97-AF65-F5344CB8AC3E}">
+        <p14:creationId xmlns:p14="http://schemas.microsoft.com/office/powerpoint/2010/main" val="529648131"/>
+      </p:ext>
+    </p:extLst>
+  </p:cSld>
+  <p:clrMapOvr>
+    <a:masterClrMapping/>
+  </p:clrMapOvr>
+</p:sld>
+</file>
+
+<file path=ppt/slides/slide4.xml><?xml version="1.0" encoding="utf-8"?>
+<p:sld xmlns:a="http://schemas.openxmlformats.org/drawingml/2006/main" xmlns:r="http://schemas.openxmlformats.org/officeDocument/2006/relationships" xmlns:p="http://schemas.openxmlformats.org/presentationml/2006/main">
+  <p:cSld>
+    <p:spTree>
+      <p:nvGrpSpPr>
+        <p:cNvPr id="1" name=""/>
+        <p:cNvGrpSpPr/>
+        <p:nvPr/>
+      </p:nvGrpSpPr>
+      <p:grpSpPr>
+        <a:xfrm>
+          <a:off x="0" y="0"/>
+          <a:ext cx="0" cy="0"/>
+          <a:chOff x="0" y="0"/>
+          <a:chExt cx="0" cy="0"/>
+        </a:xfrm>
+      </p:grpSpPr>
+      <p:sp>
+        <p:nvSpPr>
+          <p:cNvPr id="2" name="Title 1">
+            <a:extLst>
+              <a:ext uri="{FF2B5EF4-FFF2-40B4-BE49-F238E27FC236}">
+                <a16:creationId xmlns:a16="http://schemas.microsoft.com/office/drawing/2014/main" id="{94D60727-C31F-A24D-BAF7-9CB6D70B00F0}"/>
+              </a:ext>
+            </a:extLst>
+          </p:cNvPr>
+          <p:cNvSpPr>
+            <a:spLocks noGrp="1"/>
+          </p:cNvSpPr>
+          <p:nvPr>
+            <p:ph type="title"/>
+          </p:nvPr>
+        </p:nvSpPr>
+        <p:spPr>
+          <a:xfrm>
+            <a:off x="1141413" y="609601"/>
+            <a:ext cx="9905998" cy="762000"/>
+          </a:xfrm>
+        </p:spPr>
+        <p:txBody>
+          <a:bodyPr/>
+          <a:lstStyle/>
+          <a:p>
+            <a:r>
+              <a:rPr lang="en-US" dirty="0"/>
+              <a:t>Testing</a:t>
+            </a:r>
+          </a:p>
+        </p:txBody>
+      </p:sp>
+      <p:sp>
+        <p:nvSpPr>
+          <p:cNvPr id="3" name="Content Placeholder 2">
+            <a:extLst>
+              <a:ext uri="{FF2B5EF4-FFF2-40B4-BE49-F238E27FC236}">
+                <a16:creationId xmlns:a16="http://schemas.microsoft.com/office/drawing/2014/main" id="{F7A181F6-9DAA-0A40-AF3D-8915E7A4EFBF}"/>
+              </a:ext>
+            </a:extLst>
+          </p:cNvPr>
+          <p:cNvSpPr>
+            <a:spLocks noGrp="1"/>
+          </p:cNvSpPr>
+          <p:nvPr>
+            <p:ph idx="1"/>
+          </p:nvPr>
+        </p:nvSpPr>
+        <p:spPr>
+          <a:xfrm>
+            <a:off x="1141413" y="1700213"/>
+            <a:ext cx="6345237" cy="4090987"/>
+          </a:xfrm>
+        </p:spPr>
+        <p:txBody>
+          <a:bodyPr/>
+          <a:lstStyle/>
+          <a:p>
+            <a:endParaRPr lang="en-US"/>
+          </a:p>
+        </p:txBody>
+      </p:sp>
+    </p:spTree>
+    <p:extLst>
+      <p:ext uri="{BB962C8B-B14F-4D97-AF65-F5344CB8AC3E}">
+        <p14:creationId xmlns:p14="http://schemas.microsoft.com/office/powerpoint/2010/main" val="2623284633"/>
+      </p:ext>
+    </p:extLst>
+  </p:cSld>
+  <p:clrMapOvr>
+    <a:masterClrMapping/>
+  </p:clrMapOvr>
+</p:sld>
+</file>
+
+<file path=ppt/slides/slide5.xml><?xml version="1.0" encoding="utf-8"?>
+<p:sld xmlns:a="http://schemas.openxmlformats.org/drawingml/2006/main" xmlns:r="http://schemas.openxmlformats.org/officeDocument/2006/relationships" xmlns:p="http://schemas.openxmlformats.org/presentationml/2006/main">
+  <p:cSld>
+    <p:spTree>
+      <p:nvGrpSpPr>
+        <p:cNvPr id="1" name=""/>
+        <p:cNvGrpSpPr/>
+        <p:nvPr/>
+      </p:nvGrpSpPr>
+      <p:grpSpPr>
+        <a:xfrm>
+          <a:off x="0" y="0"/>
+          <a:ext cx="0" cy="0"/>
+          <a:chOff x="0" y="0"/>
+          <a:chExt cx="0" cy="0"/>
+        </a:xfrm>
+      </p:grpSpPr>
+      <p:sp>
+        <p:nvSpPr>
+          <p:cNvPr id="2" name="Title 1">
+            <a:extLst>
+              <a:ext uri="{FF2B5EF4-FFF2-40B4-BE49-F238E27FC236}">
+                <a16:creationId xmlns:a16="http://schemas.microsoft.com/office/drawing/2014/main" id="{4D5FB9A1-F20F-C944-82CB-D26855F5ED51}"/>
+              </a:ext>
+            </a:extLst>
+          </p:cNvPr>
+          <p:cNvSpPr>
+            <a:spLocks noGrp="1"/>
+          </p:cNvSpPr>
+          <p:nvPr>
+            <p:ph type="title"/>
+          </p:nvPr>
+        </p:nvSpPr>
+        <p:spPr>
+          <a:xfrm>
+            <a:off x="1141413" y="609600"/>
+            <a:ext cx="9905998" cy="747713"/>
+          </a:xfrm>
+        </p:spPr>
+        <p:txBody>
+          <a:bodyPr/>
+          <a:lstStyle/>
+          <a:p>
+            <a:r>
+              <a:rPr lang="en-US" dirty="0"/>
+              <a:t>Results</a:t>
+            </a:r>
+          </a:p>
+        </p:txBody>
+      </p:sp>
+      <p:sp>
+        <p:nvSpPr>
+          <p:cNvPr id="3" name="Content Placeholder 2">
+            <a:extLst>
+              <a:ext uri="{FF2B5EF4-FFF2-40B4-BE49-F238E27FC236}">
+                <a16:creationId xmlns:a16="http://schemas.microsoft.com/office/drawing/2014/main" id="{240AD374-C504-484C-A4E6-456DF7B9C5FA}"/>
+              </a:ext>
+            </a:extLst>
+          </p:cNvPr>
+          <p:cNvSpPr>
+            <a:spLocks noGrp="1"/>
+          </p:cNvSpPr>
+          <p:nvPr>
+            <p:ph idx="1"/>
+          </p:nvPr>
+        </p:nvSpPr>
+        <p:spPr>
+          <a:xfrm>
+            <a:off x="1141413" y="1685925"/>
+            <a:ext cx="6816725" cy="4105276"/>
+          </a:xfrm>
+        </p:spPr>
+        <p:txBody>
+          <a:bodyPr/>
+          <a:lstStyle/>
+          <a:p>
+            <a:endParaRPr lang="en-US" dirty="0"/>
+          </a:p>
+        </p:txBody>
+      </p:sp>
+    </p:spTree>
+    <p:extLst>
+      <p:ext uri="{BB962C8B-B14F-4D97-AF65-F5344CB8AC3E}">
+        <p14:creationId xmlns:p14="http://schemas.microsoft.com/office/powerpoint/2010/main" val="2391916062"/>
       </p:ext>
     </p:extLst>
   </p:cSld>

--- a/Assignment2_AI/Assignment 2 - Biometrics based human identification - ST10273607 & ST10483314.pptx
+++ b/Assignment2_AI/Assignment 2 - Biometrics based human identification - ST10273607 & ST10483314.pptx
@@ -330,7 +330,7 @@
             <a:fld id="{B61BEF0D-F0BB-DE4B-95CE-6DB70DBA9567}" type="datetimeFigureOut">
               <a:rPr lang="en-US" dirty="0"/>
               <a:pPr/>
-              <a:t>10/31/19</a:t>
+              <a:t>10/31/2019</a:t>
             </a:fld>
             <a:endParaRPr lang="en-US" dirty="0"/>
           </a:p>
@@ -618,7 +618,7 @@
             <a:fld id="{B61BEF0D-F0BB-DE4B-95CE-6DB70DBA9567}" type="datetimeFigureOut">
               <a:rPr lang="en-US" dirty="0"/>
               <a:pPr/>
-              <a:t>10/31/19</a:t>
+              <a:t>10/31/2019</a:t>
             </a:fld>
             <a:endParaRPr lang="en-US" dirty="0"/>
           </a:p>
@@ -874,7 +874,7 @@
             <a:fld id="{B61BEF0D-F0BB-DE4B-95CE-6DB70DBA9567}" type="datetimeFigureOut">
               <a:rPr lang="en-US" dirty="0"/>
               <a:pPr/>
-              <a:t>10/31/19</a:t>
+              <a:t>10/31/2019</a:t>
             </a:fld>
             <a:endParaRPr lang="en-US" dirty="0"/>
           </a:p>
@@ -1340,7 +1340,7 @@
             <a:fld id="{B61BEF0D-F0BB-DE4B-95CE-6DB70DBA9567}" type="datetimeFigureOut">
               <a:rPr lang="en-US" dirty="0"/>
               <a:pPr/>
-              <a:t>10/31/19</a:t>
+              <a:t>10/31/2019</a:t>
             </a:fld>
             <a:endParaRPr lang="en-US" dirty="0"/>
           </a:p>
@@ -1517,7 +1517,7 @@
             <a:fld id="{B61BEF0D-F0BB-DE4B-95CE-6DB70DBA9567}" type="datetimeFigureOut">
               <a:rPr lang="en-US" dirty="0"/>
               <a:pPr/>
-              <a:t>10/31/19</a:t>
+              <a:t>10/31/2019</a:t>
             </a:fld>
             <a:endParaRPr lang="en-US" dirty="0"/>
           </a:p>
@@ -2090,7 +2090,7 @@
             <a:fld id="{B61BEF0D-F0BB-DE4B-95CE-6DB70DBA9567}" type="datetimeFigureOut">
               <a:rPr lang="en-US" dirty="0"/>
               <a:pPr/>
-              <a:t>10/31/19</a:t>
+              <a:t>10/31/2019</a:t>
             </a:fld>
             <a:endParaRPr lang="en-US" dirty="0"/>
           </a:p>
@@ -2419,7 +2419,7 @@
             <a:fld id="{B61BEF0D-F0BB-DE4B-95CE-6DB70DBA9567}" type="datetimeFigureOut">
               <a:rPr lang="en-US" dirty="0"/>
               <a:pPr/>
-              <a:t>10/31/19</a:t>
+              <a:t>10/31/2019</a:t>
             </a:fld>
             <a:endParaRPr lang="en-US" dirty="0"/>
           </a:p>
@@ -2591,7 +2591,7 @@
             <a:fld id="{B61BEF0D-F0BB-DE4B-95CE-6DB70DBA9567}" type="datetimeFigureOut">
               <a:rPr lang="en-US" dirty="0"/>
               <a:pPr/>
-              <a:t>10/31/19</a:t>
+              <a:t>10/31/2019</a:t>
             </a:fld>
             <a:endParaRPr lang="en-US" dirty="0"/>
           </a:p>
@@ -2768,7 +2768,7 @@
             <a:fld id="{B61BEF0D-F0BB-DE4B-95CE-6DB70DBA9567}" type="datetimeFigureOut">
               <a:rPr lang="en-US" dirty="0"/>
               <a:pPr/>
-              <a:t>10/31/19</a:t>
+              <a:t>10/31/2019</a:t>
             </a:fld>
             <a:endParaRPr lang="en-US" dirty="0"/>
           </a:p>
@@ -2935,7 +2935,7 @@
             <a:fld id="{B61BEF0D-F0BB-DE4B-95CE-6DB70DBA9567}" type="datetimeFigureOut">
               <a:rPr lang="en-US" dirty="0"/>
               <a:pPr/>
-              <a:t>10/31/19</a:t>
+              <a:t>10/31/2019</a:t>
             </a:fld>
             <a:endParaRPr lang="en-US" dirty="0"/>
           </a:p>
@@ -3189,7 +3189,7 @@
             <a:fld id="{B61BEF0D-F0BB-DE4B-95CE-6DB70DBA9567}" type="datetimeFigureOut">
               <a:rPr lang="en-US" dirty="0"/>
               <a:pPr/>
-              <a:t>10/31/19</a:t>
+              <a:t>10/31/2019</a:t>
             </a:fld>
             <a:endParaRPr lang="en-US" dirty="0"/>
           </a:p>
@@ -3478,7 +3478,7 @@
             <a:fld id="{B61BEF0D-F0BB-DE4B-95CE-6DB70DBA9567}" type="datetimeFigureOut">
               <a:rPr lang="en-US" dirty="0"/>
               <a:pPr/>
-              <a:t>10/31/19</a:t>
+              <a:t>10/31/2019</a:t>
             </a:fld>
             <a:endParaRPr lang="en-US" dirty="0"/>
           </a:p>
@@ -3905,7 +3905,7 @@
             <a:fld id="{B61BEF0D-F0BB-DE4B-95CE-6DB70DBA9567}" type="datetimeFigureOut">
               <a:rPr lang="en-US" dirty="0"/>
               <a:pPr/>
-              <a:t>10/31/19</a:t>
+              <a:t>10/31/2019</a:t>
             </a:fld>
             <a:endParaRPr lang="en-US" dirty="0"/>
           </a:p>
@@ -4020,7 +4020,7 @@
             <a:fld id="{B61BEF0D-F0BB-DE4B-95CE-6DB70DBA9567}" type="datetimeFigureOut">
               <a:rPr lang="en-US" dirty="0"/>
               <a:pPr/>
-              <a:t>10/31/19</a:t>
+              <a:t>10/31/2019</a:t>
             </a:fld>
             <a:endParaRPr lang="en-US" dirty="0"/>
           </a:p>
@@ -4112,7 +4112,7 @@
             <a:fld id="{B61BEF0D-F0BB-DE4B-95CE-6DB70DBA9567}" type="datetimeFigureOut">
               <a:rPr lang="en-US" dirty="0"/>
               <a:pPr/>
-              <a:t>10/31/19</a:t>
+              <a:t>10/31/2019</a:t>
             </a:fld>
             <a:endParaRPr lang="en-US" dirty="0"/>
           </a:p>
@@ -4392,7 +4392,7 @@
             <a:fld id="{B61BEF0D-F0BB-DE4B-95CE-6DB70DBA9567}" type="datetimeFigureOut">
               <a:rPr lang="en-US" dirty="0"/>
               <a:pPr/>
-              <a:t>10/31/19</a:t>
+              <a:t>10/31/2019</a:t>
             </a:fld>
             <a:endParaRPr lang="en-US" dirty="0"/>
           </a:p>
@@ -4680,7 +4680,7 @@
             <a:fld id="{B61BEF0D-F0BB-DE4B-95CE-6DB70DBA9567}" type="datetimeFigureOut">
               <a:rPr lang="en-US" dirty="0"/>
               <a:pPr/>
-              <a:t>10/31/19</a:t>
+              <a:t>10/31/2019</a:t>
             </a:fld>
             <a:endParaRPr lang="en-US" dirty="0"/>
           </a:p>
@@ -4908,7 +4908,7 @@
             <a:fld id="{B61BEF0D-F0BB-DE4B-95CE-6DB70DBA9567}" type="datetimeFigureOut">
               <a:rPr lang="en-US" dirty="0"/>
               <a:pPr/>
-              <a:t>10/31/19</a:t>
+              <a:t>10/31/2019</a:t>
             </a:fld>
             <a:endParaRPr lang="en-US" dirty="0"/>
           </a:p>
@@ -5772,6 +5772,29 @@
 <file path=ppt/slides/slide2.xml><?xml version="1.0" encoding="utf-8"?>
 <p:sld xmlns:a="http://schemas.openxmlformats.org/drawingml/2006/main" xmlns:r="http://schemas.openxmlformats.org/officeDocument/2006/relationships" xmlns:p="http://schemas.openxmlformats.org/presentationml/2006/main">
   <p:cSld>
+    <p:bg>
+      <p:bgPr>
+        <a:blipFill rotWithShape="1">
+          <a:blip r:embed="rId2">
+            <a:duotone>
+              <a:schemeClr val="bg2">
+                <a:shade val="28000"/>
+                <a:satMod val="94000"/>
+                <a:lumMod val="20000"/>
+              </a:schemeClr>
+              <a:schemeClr val="bg2">
+                <a:tint val="94000"/>
+                <a:shade val="84000"/>
+                <a:satMod val="148000"/>
+                <a:lumMod val="114000"/>
+              </a:schemeClr>
+            </a:duotone>
+          </a:blip>
+          <a:stretch/>
+        </a:blipFill>
+        <a:effectLst/>
+      </p:bgPr>
+    </p:bg>
     <p:spTree>
       <p:nvGrpSpPr>
         <p:cNvPr id="1" name=""/>
@@ -5804,16 +5827,18 @@
         </p:nvSpPr>
         <p:spPr>
           <a:xfrm>
-            <a:off x="1141413" y="609600"/>
-            <a:ext cx="9905998" cy="876300"/>
+            <a:off x="643191" y="609600"/>
+            <a:ext cx="6573685" cy="1905000"/>
           </a:xfrm>
         </p:spPr>
         <p:txBody>
-          <a:bodyPr/>
+          <a:bodyPr>
+            <a:normAutofit/>
+          </a:bodyPr>
           <a:lstStyle/>
           <a:p>
             <a:r>
-              <a:rPr lang="en-US" dirty="0"/>
+              <a:rPr lang="en-US" sz="3200"/>
               <a:t>Overview</a:t>
             </a:r>
           </a:p>
@@ -5837,18 +5862,124 @@
         </p:nvSpPr>
         <p:spPr>
           <a:xfrm>
-            <a:off x="1121406" y="1728788"/>
-            <a:ext cx="6322381" cy="4300537"/>
+            <a:off x="643192" y="2666999"/>
+            <a:ext cx="6573684" cy="3216276"/>
           </a:xfrm>
         </p:spPr>
         <p:txBody>
-          <a:bodyPr/>
+          <a:bodyPr anchor="t">
+            <a:normAutofit/>
+          </a:bodyPr>
           <a:lstStyle/>
           <a:p>
-            <a:endParaRPr lang="en-US" dirty="0"/>
-          </a:p>
-        </p:txBody>
-      </p:sp>
+            <a:pPr>
+              <a:lnSpc>
+                <a:spcPct val="90000"/>
+              </a:lnSpc>
+            </a:pPr>
+            <a:r>
+              <a:rPr lang="en-US" sz="2000"/>
+              <a:t>Objective: Identifying individuals through a facial recognition model and measure their threat level based on one of seven expressions</a:t>
+            </a:r>
+          </a:p>
+          <a:p>
+            <a:pPr>
+              <a:lnSpc>
+                <a:spcPct val="90000"/>
+              </a:lnSpc>
+            </a:pPr>
+            <a:r>
+              <a:rPr lang="en-US" sz="2000"/>
+              <a:t>Expressions: Angry, Disgust, Fear, Happy, sad, Surprise, Neutral</a:t>
+            </a:r>
+          </a:p>
+          <a:p>
+            <a:pPr>
+              <a:lnSpc>
+                <a:spcPct val="90000"/>
+              </a:lnSpc>
+            </a:pPr>
+            <a:r>
+              <a:rPr lang="en-US" sz="2000"/>
+              <a:t>Computer Vision (CV) with Deep-learning algorithm using Python Libraries</a:t>
+            </a:r>
+          </a:p>
+          <a:p>
+            <a:pPr>
+              <a:lnSpc>
+                <a:spcPct val="90000"/>
+              </a:lnSpc>
+            </a:pPr>
+            <a:r>
+              <a:rPr lang="en-US" sz="2000"/>
+              <a:t>Dataset(s): Facial Expressions Recognition (2013) and small sub-set of individuals</a:t>
+            </a:r>
+          </a:p>
+          <a:p>
+            <a:pPr>
+              <a:lnSpc>
+                <a:spcPct val="90000"/>
+              </a:lnSpc>
+            </a:pPr>
+            <a:endParaRPr lang="en-US" sz="2000"/>
+          </a:p>
+        </p:txBody>
+      </p:sp>
+      <p:pic>
+        <p:nvPicPr>
+          <p:cNvPr id="4" name="Picture 3">
+            <a:extLst>
+              <a:ext uri="{FF2B5EF4-FFF2-40B4-BE49-F238E27FC236}">
+                <a16:creationId xmlns:a16="http://schemas.microsoft.com/office/drawing/2014/main" id="{16C9F09D-6A5A-4170-B7B2-8CC155CAFF92}"/>
+              </a:ext>
+            </a:extLst>
+          </p:cNvPr>
+          <p:cNvPicPr>
+            <a:picLocks noChangeAspect="1"/>
+          </p:cNvPicPr>
+          <p:nvPr/>
+        </p:nvPicPr>
+        <p:blipFill>
+          <a:blip r:embed="rId3"/>
+          <a:stretch>
+            <a:fillRect/>
+          </a:stretch>
+        </p:blipFill>
+        <p:spPr>
+          <a:xfrm>
+            <a:off x="7570839" y="895615"/>
+            <a:ext cx="3976788" cy="4986568"/>
+          </a:xfrm>
+          <a:prstGeom prst="roundRect">
+            <a:avLst>
+              <a:gd name="adj" fmla="val 3517"/>
+            </a:avLst>
+          </a:prstGeom>
+          <a:ln w="38100">
+            <a:gradFill flip="none" rotWithShape="1">
+              <a:gsLst>
+                <a:gs pos="0">
+                  <a:srgbClr val="363D46"/>
+                </a:gs>
+                <a:gs pos="100000">
+                  <a:srgbClr val="363D46">
+                    <a:lumMod val="75000"/>
+                  </a:srgbClr>
+                </a:gs>
+              </a:gsLst>
+              <a:lin ang="5400000" scaled="0"/>
+              <a:tileRect/>
+            </a:gradFill>
+          </a:ln>
+          <a:effectLst>
+            <a:innerShdw blurRad="57150" dist="38100" dir="14460000">
+              <a:srgbClr val="000000">
+                <a:alpha val="70000"/>
+              </a:srgbClr>
+            </a:innerShdw>
+          </a:effectLst>
+        </p:spPr>
+      </p:pic>
     </p:spTree>
     <p:extLst>
       <p:ext uri="{BB962C8B-B14F-4D97-AF65-F5344CB8AC3E}">
@@ -5865,6 +5996,29 @@
 <file path=ppt/slides/slide3.xml><?xml version="1.0" encoding="utf-8"?>
 <p:sld xmlns:a="http://schemas.openxmlformats.org/drawingml/2006/main" xmlns:r="http://schemas.openxmlformats.org/officeDocument/2006/relationships" xmlns:p="http://schemas.openxmlformats.org/presentationml/2006/main">
   <p:cSld>
+    <p:bg>
+      <p:bgPr>
+        <a:blipFill rotWithShape="1">
+          <a:blip r:embed="rId2">
+            <a:duotone>
+              <a:schemeClr val="bg2">
+                <a:shade val="28000"/>
+                <a:satMod val="94000"/>
+                <a:lumMod val="20000"/>
+              </a:schemeClr>
+              <a:schemeClr val="bg2">
+                <a:tint val="94000"/>
+                <a:shade val="84000"/>
+                <a:satMod val="148000"/>
+                <a:lumMod val="114000"/>
+              </a:schemeClr>
+            </a:duotone>
+          </a:blip>
+          <a:stretch/>
+        </a:blipFill>
+        <a:effectLst/>
+      </p:bgPr>
+    </p:bg>
     <p:spTree>
       <p:nvGrpSpPr>
         <p:cNvPr id="1" name=""/>
@@ -5897,51 +6051,119 @@
         </p:nvSpPr>
         <p:spPr>
           <a:xfrm>
-            <a:off x="1141413" y="609600"/>
-            <a:ext cx="9905998" cy="804863"/>
+            <a:off x="8164106" y="609600"/>
+            <a:ext cx="3369133" cy="3642851"/>
           </a:xfrm>
         </p:spPr>
         <p:txBody>
-          <a:bodyPr/>
+          <a:bodyPr vert="horz" lIns="91440" tIns="45720" rIns="91440" bIns="45720" rtlCol="0" anchor="b">
+            <a:normAutofit/>
+          </a:bodyPr>
           <a:lstStyle/>
           <a:p>
-            <a:r>
-              <a:rPr lang="en-US" dirty="0"/>
+            <a:pPr algn="ctr"/>
+            <a:r>
+              <a:rPr lang="en-US" sz="2800" kern="1200" cap="all">
+                <a:ln w="3175" cmpd="sng">
+                  <a:noFill/>
+                </a:ln>
+                <a:gradFill flip="none" rotWithShape="1">
+                  <a:gsLst>
+                    <a:gs pos="0">
+                      <a:schemeClr val="tx1"/>
+                    </a:gs>
+                    <a:gs pos="100000">
+                      <a:schemeClr val="tx1">
+                        <a:lumMod val="65000"/>
+                      </a:schemeClr>
+                    </a:gs>
+                  </a:gsLst>
+                  <a:lin ang="5580000" scaled="0"/>
+                  <a:tileRect/>
+                </a:gradFill>
+                <a:effectLst>
+                  <a:glow rad="38100">
+                    <a:schemeClr val="bg1">
+                      <a:lumMod val="65000"/>
+                      <a:lumOff val="35000"/>
+                      <a:alpha val="50000"/>
+                    </a:schemeClr>
+                  </a:glow>
+                  <a:outerShdw blurRad="28575" dist="31750" dir="13200000" algn="tl" rotWithShape="0">
+                    <a:srgbClr val="000000">
+                      <a:alpha val="25000"/>
+                    </a:srgbClr>
+                  </a:outerShdw>
+                </a:effectLst>
+                <a:latin typeface="+mj-lt"/>
+                <a:ea typeface="+mj-ea"/>
+                <a:cs typeface="+mj-cs"/>
+              </a:rPr>
               <a:t>Implementation</a:t>
             </a:r>
           </a:p>
         </p:txBody>
       </p:sp>
-      <p:sp>
-        <p:nvSpPr>
-          <p:cNvPr id="3" name="Content Placeholder 2">
+      <p:pic>
+        <p:nvPicPr>
+          <p:cNvPr id="4" name="Content Placeholder 3">
             <a:extLst>
               <a:ext uri="{FF2B5EF4-FFF2-40B4-BE49-F238E27FC236}">
-                <a16:creationId xmlns:a16="http://schemas.microsoft.com/office/drawing/2014/main" id="{5D3E9D9E-217A-4348-B145-404AF5E19046}"/>
+                <a16:creationId xmlns:a16="http://schemas.microsoft.com/office/drawing/2014/main" id="{EEE155BA-058B-459D-9B33-090EF5E24582}"/>
               </a:ext>
             </a:extLst>
           </p:cNvPr>
-          <p:cNvSpPr>
-            <a:spLocks noGrp="1"/>
-          </p:cNvSpPr>
+          <p:cNvPicPr>
+            <a:picLocks noGrp="1" noChangeAspect="1"/>
+          </p:cNvPicPr>
           <p:nvPr>
             <p:ph idx="1"/>
           </p:nvPr>
-        </p:nvSpPr>
+        </p:nvPicPr>
+        <p:blipFill>
+          <a:blip r:embed="rId3"/>
+          <a:stretch>
+            <a:fillRect/>
+          </a:stretch>
+        </p:blipFill>
         <p:spPr>
           <a:xfrm>
-            <a:off x="1141413" y="1700213"/>
-            <a:ext cx="6359525" cy="4090987"/>
+            <a:off x="636915" y="759669"/>
+            <a:ext cx="6915663" cy="5342349"/>
           </a:xfrm>
+          <a:prstGeom prst="roundRect">
+            <a:avLst>
+              <a:gd name="adj" fmla="val 3517"/>
+            </a:avLst>
+          </a:prstGeom>
+          <a:solidFill>
+            <a:schemeClr val="bg1"/>
+          </a:solidFill>
+          <a:ln w="38100">
+            <a:gradFill flip="none" rotWithShape="1">
+              <a:gsLst>
+                <a:gs pos="0">
+                  <a:srgbClr val="363D46"/>
+                </a:gs>
+                <a:gs pos="100000">
+                  <a:srgbClr val="363D46">
+                    <a:lumMod val="75000"/>
+                  </a:srgbClr>
+                </a:gs>
+              </a:gsLst>
+              <a:lin ang="5400000" scaled="0"/>
+              <a:tileRect/>
+            </a:gradFill>
+          </a:ln>
+          <a:effectLst>
+            <a:innerShdw blurRad="57150" dist="38100" dir="14460000">
+              <a:srgbClr val="000000">
+                <a:alpha val="70000"/>
+              </a:srgbClr>
+            </a:innerShdw>
+          </a:effectLst>
         </p:spPr>
-        <p:txBody>
-          <a:bodyPr/>
-          <a:lstStyle/>
-          <a:p>
-            <a:endParaRPr lang="en-US" dirty="0"/>
-          </a:p>
-        </p:txBody>
-      </p:sp>
+      </p:pic>
     </p:spTree>
     <p:extLst>
       <p:ext uri="{BB962C8B-B14F-4D97-AF65-F5344CB8AC3E}">
@@ -5958,6 +6180,29 @@
 <file path=ppt/slides/slide4.xml><?xml version="1.0" encoding="utf-8"?>
 <p:sld xmlns:a="http://schemas.openxmlformats.org/drawingml/2006/main" xmlns:r="http://schemas.openxmlformats.org/officeDocument/2006/relationships" xmlns:p="http://schemas.openxmlformats.org/presentationml/2006/main">
   <p:cSld>
+    <p:bg>
+      <p:bgPr>
+        <a:blipFill rotWithShape="1">
+          <a:blip r:embed="rId2">
+            <a:duotone>
+              <a:schemeClr val="bg2">
+                <a:shade val="28000"/>
+                <a:satMod val="94000"/>
+                <a:lumMod val="20000"/>
+              </a:schemeClr>
+              <a:schemeClr val="bg2">
+                <a:tint val="94000"/>
+                <a:shade val="84000"/>
+                <a:satMod val="148000"/>
+                <a:lumMod val="114000"/>
+              </a:schemeClr>
+            </a:duotone>
+          </a:blip>
+          <a:stretch/>
+        </a:blipFill>
+        <a:effectLst/>
+      </p:bgPr>
+    </p:bg>
     <p:spTree>
       <p:nvGrpSpPr>
         <p:cNvPr id="1" name=""/>
@@ -5972,6 +6217,37 @@
           <a:chExt cx="0" cy="0"/>
         </a:xfrm>
       </p:grpSpPr>
+      <p:pic>
+        <p:nvPicPr>
+          <p:cNvPr id="5" name="Picture 4">
+            <a:extLst>
+              <a:ext uri="{FF2B5EF4-FFF2-40B4-BE49-F238E27FC236}">
+                <a16:creationId xmlns:a16="http://schemas.microsoft.com/office/drawing/2014/main" id="{021649A1-6EB0-4F4E-9DC9-218F49E0E516}"/>
+              </a:ext>
+            </a:extLst>
+          </p:cNvPr>
+          <p:cNvPicPr>
+            <a:picLocks noChangeAspect="1"/>
+          </p:cNvPicPr>
+          <p:nvPr/>
+        </p:nvPicPr>
+        <p:blipFill rotWithShape="1">
+          <a:blip r:embed="rId3">
+            <a:alphaModFix amt="15000"/>
+          </a:blip>
+          <a:srcRect t="15730"/>
+          <a:stretch/>
+        </p:blipFill>
+        <p:spPr>
+          <a:xfrm>
+            <a:off x="20" y="10"/>
+            <a:ext cx="12191980" cy="6857990"/>
+          </a:xfrm>
+          <a:prstGeom prst="rect">
+            <a:avLst/>
+          </a:prstGeom>
+        </p:spPr>
+      </p:pic>
       <p:sp>
         <p:nvSpPr>
           <p:cNvPr id="2" name="Title 1">
@@ -5990,48 +6266,56 @@
         </p:nvSpPr>
         <p:spPr>
           <a:xfrm>
-            <a:off x="1141413" y="609601"/>
-            <a:ext cx="9905998" cy="762000"/>
+            <a:off x="1751012" y="609601"/>
+            <a:ext cx="8676222" cy="3200400"/>
           </a:xfrm>
         </p:spPr>
         <p:txBody>
-          <a:bodyPr/>
+          <a:bodyPr vert="horz" lIns="91440" tIns="45720" rIns="91440" bIns="45720" rtlCol="0" anchor="b">
+            <a:normAutofit/>
+          </a:bodyPr>
           <a:lstStyle/>
           <a:p>
-            <a:r>
-              <a:rPr lang="en-US" dirty="0"/>
+            <a:pPr algn="ctr"/>
+            <a:r>
+              <a:rPr lang="en-US" sz="4800" kern="1200" cap="all">
+                <a:ln w="3175" cmpd="sng">
+                  <a:noFill/>
+                </a:ln>
+                <a:gradFill flip="none" rotWithShape="1">
+                  <a:gsLst>
+                    <a:gs pos="0">
+                      <a:schemeClr val="tx1"/>
+                    </a:gs>
+                    <a:gs pos="100000">
+                      <a:schemeClr val="tx1">
+                        <a:lumMod val="65000"/>
+                      </a:schemeClr>
+                    </a:gs>
+                  </a:gsLst>
+                  <a:lin ang="5580000" scaled="0"/>
+                  <a:tileRect/>
+                </a:gradFill>
+                <a:effectLst>
+                  <a:glow rad="38100">
+                    <a:schemeClr val="bg1">
+                      <a:lumMod val="65000"/>
+                      <a:lumOff val="35000"/>
+                      <a:alpha val="50000"/>
+                    </a:schemeClr>
+                  </a:glow>
+                  <a:outerShdw blurRad="28575" dist="31750" dir="13200000" algn="tl" rotWithShape="0">
+                    <a:srgbClr val="000000">
+                      <a:alpha val="25000"/>
+                    </a:srgbClr>
+                  </a:outerShdw>
+                </a:effectLst>
+                <a:latin typeface="+mj-lt"/>
+                <a:ea typeface="+mj-ea"/>
+                <a:cs typeface="+mj-cs"/>
+              </a:rPr>
               <a:t>Testing</a:t>
             </a:r>
-          </a:p>
-        </p:txBody>
-      </p:sp>
-      <p:sp>
-        <p:nvSpPr>
-          <p:cNvPr id="3" name="Content Placeholder 2">
-            <a:extLst>
-              <a:ext uri="{FF2B5EF4-FFF2-40B4-BE49-F238E27FC236}">
-                <a16:creationId xmlns:a16="http://schemas.microsoft.com/office/drawing/2014/main" id="{F7A181F6-9DAA-0A40-AF3D-8915E7A4EFBF}"/>
-              </a:ext>
-            </a:extLst>
-          </p:cNvPr>
-          <p:cNvSpPr>
-            <a:spLocks noGrp="1"/>
-          </p:cNvSpPr>
-          <p:nvPr>
-            <p:ph idx="1"/>
-          </p:nvPr>
-        </p:nvSpPr>
-        <p:spPr>
-          <a:xfrm>
-            <a:off x="1141413" y="1700213"/>
-            <a:ext cx="6345237" cy="4090987"/>
-          </a:xfrm>
-        </p:spPr>
-        <p:txBody>
-          <a:bodyPr/>
-          <a:lstStyle/>
-          <a:p>
-            <a:endParaRPr lang="en-US"/>
           </a:p>
         </p:txBody>
       </p:sp>
@@ -6051,6 +6335,29 @@
 <file path=ppt/slides/slide5.xml><?xml version="1.0" encoding="utf-8"?>
 <p:sld xmlns:a="http://schemas.openxmlformats.org/drawingml/2006/main" xmlns:r="http://schemas.openxmlformats.org/officeDocument/2006/relationships" xmlns:p="http://schemas.openxmlformats.org/presentationml/2006/main">
   <p:cSld>
+    <p:bg>
+      <p:bgPr>
+        <a:blipFill rotWithShape="1">
+          <a:blip r:embed="rId2">
+            <a:duotone>
+              <a:schemeClr val="bg2">
+                <a:shade val="28000"/>
+                <a:satMod val="94000"/>
+                <a:lumMod val="20000"/>
+              </a:schemeClr>
+              <a:schemeClr val="bg2">
+                <a:tint val="94000"/>
+                <a:shade val="84000"/>
+                <a:satMod val="148000"/>
+                <a:lumMod val="114000"/>
+              </a:schemeClr>
+            </a:duotone>
+          </a:blip>
+          <a:stretch/>
+        </a:blipFill>
+        <a:effectLst/>
+      </p:bgPr>
+    </p:bg>
     <p:spTree>
       <p:nvGrpSpPr>
         <p:cNvPr id="1" name=""/>
@@ -6065,6 +6372,37 @@
           <a:chExt cx="0" cy="0"/>
         </a:xfrm>
       </p:grpSpPr>
+      <p:pic>
+        <p:nvPicPr>
+          <p:cNvPr id="7" name="Picture 4">
+            <a:extLst>
+              <a:ext uri="{FF2B5EF4-FFF2-40B4-BE49-F238E27FC236}">
+                <a16:creationId xmlns:a16="http://schemas.microsoft.com/office/drawing/2014/main" id="{D831E2B4-78F9-420C-B416-34E1EAA56C0C}"/>
+              </a:ext>
+            </a:extLst>
+          </p:cNvPr>
+          <p:cNvPicPr>
+            <a:picLocks noChangeAspect="1"/>
+          </p:cNvPicPr>
+          <p:nvPr/>
+        </p:nvPicPr>
+        <p:blipFill rotWithShape="1">
+          <a:blip r:embed="rId3">
+            <a:alphaModFix amt="15000"/>
+          </a:blip>
+          <a:srcRect t="1220" b="14510"/>
+          <a:stretch/>
+        </p:blipFill>
+        <p:spPr>
+          <a:xfrm>
+            <a:off x="20" y="10"/>
+            <a:ext cx="12191980" cy="6857990"/>
+          </a:xfrm>
+          <a:prstGeom prst="rect">
+            <a:avLst/>
+          </a:prstGeom>
+        </p:spPr>
+      </p:pic>
       <p:sp>
         <p:nvSpPr>
           <p:cNvPr id="2" name="Title 1">
@@ -6083,48 +6421,56 @@
         </p:nvSpPr>
         <p:spPr>
           <a:xfrm>
-            <a:off x="1141413" y="609600"/>
-            <a:ext cx="9905998" cy="747713"/>
+            <a:off x="1751012" y="609601"/>
+            <a:ext cx="8676222" cy="3200400"/>
           </a:xfrm>
         </p:spPr>
         <p:txBody>
-          <a:bodyPr/>
+          <a:bodyPr vert="horz" lIns="91440" tIns="45720" rIns="91440" bIns="45720" rtlCol="0" anchor="b">
+            <a:normAutofit/>
+          </a:bodyPr>
           <a:lstStyle/>
           <a:p>
-            <a:r>
-              <a:rPr lang="en-US" dirty="0"/>
+            <a:pPr algn="ctr"/>
+            <a:r>
+              <a:rPr lang="en-US" sz="4800" kern="1200" cap="all">
+                <a:ln w="3175" cmpd="sng">
+                  <a:noFill/>
+                </a:ln>
+                <a:gradFill flip="none" rotWithShape="1">
+                  <a:gsLst>
+                    <a:gs pos="0">
+                      <a:schemeClr val="tx1"/>
+                    </a:gs>
+                    <a:gs pos="100000">
+                      <a:schemeClr val="tx1">
+                        <a:lumMod val="65000"/>
+                      </a:schemeClr>
+                    </a:gs>
+                  </a:gsLst>
+                  <a:lin ang="5580000" scaled="0"/>
+                  <a:tileRect/>
+                </a:gradFill>
+                <a:effectLst>
+                  <a:glow rad="38100">
+                    <a:schemeClr val="bg1">
+                      <a:lumMod val="65000"/>
+                      <a:lumOff val="35000"/>
+                      <a:alpha val="50000"/>
+                    </a:schemeClr>
+                  </a:glow>
+                  <a:outerShdw blurRad="28575" dist="31750" dir="13200000" algn="tl" rotWithShape="0">
+                    <a:srgbClr val="000000">
+                      <a:alpha val="25000"/>
+                    </a:srgbClr>
+                  </a:outerShdw>
+                </a:effectLst>
+                <a:latin typeface="+mj-lt"/>
+                <a:ea typeface="+mj-ea"/>
+                <a:cs typeface="+mj-cs"/>
+              </a:rPr>
               <a:t>Results</a:t>
             </a:r>
-          </a:p>
-        </p:txBody>
-      </p:sp>
-      <p:sp>
-        <p:nvSpPr>
-          <p:cNvPr id="3" name="Content Placeholder 2">
-            <a:extLst>
-              <a:ext uri="{FF2B5EF4-FFF2-40B4-BE49-F238E27FC236}">
-                <a16:creationId xmlns:a16="http://schemas.microsoft.com/office/drawing/2014/main" id="{240AD374-C504-484C-A4E6-456DF7B9C5FA}"/>
-              </a:ext>
-            </a:extLst>
-          </p:cNvPr>
-          <p:cNvSpPr>
-            <a:spLocks noGrp="1"/>
-          </p:cNvSpPr>
-          <p:nvPr>
-            <p:ph idx="1"/>
-          </p:nvPr>
-        </p:nvSpPr>
-        <p:spPr>
-          <a:xfrm>
-            <a:off x="1141413" y="1685925"/>
-            <a:ext cx="6816725" cy="4105276"/>
-          </a:xfrm>
-        </p:spPr>
-        <p:txBody>
-          <a:bodyPr/>
-          <a:lstStyle/>
-          <a:p>
-            <a:endParaRPr lang="en-US" dirty="0"/>
           </a:p>
         </p:txBody>
       </p:sp>
